--- a/Big_Data_Project_Presentation.pptx
+++ b/Big_Data_Project_Presentation.pptx
@@ -5945,7 +5945,7 @@
 <dgm:dataModel xmlns:dgm="http://schemas.openxmlformats.org/drawingml/2006/diagram" xmlns:a="http://schemas.openxmlformats.org/drawingml/2006/main">
   <dgm:ptLst>
     <dgm:pt modelId="{6BEAA048-DFFE-4C03-865E-EA8C21DEA7C1}" type="doc">
-      <dgm:prSet loTypeId="urn:microsoft.com/office/officeart/2005/8/layout/vList2" loCatId="list" qsTypeId="urn:microsoft.com/office/officeart/2005/8/quickstyle/simple1" qsCatId="simple" csTypeId="urn:microsoft.com/office/officeart/2005/8/colors/colorful5" csCatId="colorful"/>
+      <dgm:prSet loTypeId="urn:microsoft.com/office/officeart/2005/8/layout/vList2" loCatId="list" qsTypeId="urn:microsoft.com/office/officeart/2005/8/quickstyle/simple1" qsCatId="simple" csTypeId="urn:microsoft.com/office/officeart/2005/8/colors/colorful5" csCatId="colorful" phldr="1"/>
       <dgm:spPr/>
       <dgm:t>
         <a:bodyPr/>
@@ -5999,8 +5999,8 @@
         <a:lstStyle/>
         <a:p>
           <a:r>
-            <a:rPr lang="en-US"/>
-            <a:t>By implementing it using various algorithams such as decision tree, Logistic regression and clustering.</a:t>
+            <a:rPr lang="en-US" dirty="0"/>
+            <a:t>By implementing it using various algorithms such as Decision Tree, Logistic Regression, Random Forest and Gradient Decent.</a:t>
           </a:r>
         </a:p>
       </dgm:t>
@@ -6842,8 +6842,8 @@
         <a:lstStyle/>
         <a:p>
           <a:r>
-            <a:rPr lang="en-US"/>
-            <a:t>People with a smoking habit are more susceptible to have heart a stroke. </a:t>
+            <a:rPr lang="en-US" dirty="0"/>
+            <a:t>People with a smoking habit are more susceptible to heart stroke. </a:t>
           </a:r>
         </a:p>
       </dgm:t>
@@ -6929,7 +6929,7 @@
       <dgm:spPr/>
     </dgm:pt>
     <dgm:pt modelId="{98843DEB-5EF9-4848-91E2-B2C00D71C810}" type="pres">
-      <dgm:prSet presAssocID="{30E39981-AB80-419D-B7AB-250C958A3760}" presName="parentText" presStyleLbl="node1" presStyleIdx="1" presStyleCnt="3">
+      <dgm:prSet presAssocID="{30E39981-AB80-419D-B7AB-250C958A3760}" presName="parentText" presStyleLbl="node1" presStyleIdx="1" presStyleCnt="3" custLinFactNeighborX="123" custLinFactNeighborY="21819">
         <dgm:presLayoutVars>
           <dgm:chMax val="0"/>
           <dgm:bulletEnabled val="1"/>
@@ -6969,7 +6969,7 @@
   <dgm:whole/>
   <dgm:extLst>
     <a:ext uri="http://schemas.microsoft.com/office/drawing/2008/diagram">
-      <dsp:dataModelExt xmlns:dsp="http://schemas.microsoft.com/office/drawing/2008/diagram" relId="rId6" minVer="http://schemas.openxmlformats.org/drawingml/2006/diagram"/>
+      <dsp:dataModelExt xmlns:dsp="http://schemas.microsoft.com/office/drawing/2008/diagram" relId="rId7" minVer="http://schemas.openxmlformats.org/drawingml/2006/diagram"/>
     </a:ext>
   </dgm:extLst>
 </dgm:dataModel>
@@ -7408,8 +7408,8 @@
       </dsp:nvSpPr>
       <dsp:spPr>
         <a:xfrm>
-          <a:off x="0" y="20741"/>
-          <a:ext cx="6900512" cy="2692608"/>
+          <a:off x="0" y="93039"/>
+          <a:ext cx="6900512" cy="2621750"/>
         </a:xfrm>
         <a:prstGeom prst="roundRect">
           <a:avLst/>
@@ -7451,12 +7451,12 @@
         </a:fontRef>
       </dsp:style>
       <dsp:txBody>
-        <a:bodyPr spcFirstLastPara="0" vert="horz" wrap="square" lIns="144780" tIns="144780" rIns="144780" bIns="144780" numCol="1" spcCol="1270" anchor="ctr" anchorCtr="0">
+        <a:bodyPr spcFirstLastPara="0" vert="horz" wrap="square" lIns="140970" tIns="140970" rIns="140970" bIns="140970" numCol="1" spcCol="1270" anchor="ctr" anchorCtr="0">
           <a:noAutofit/>
         </a:bodyPr>
         <a:lstStyle/>
         <a:p>
-          <a:pPr marL="0" lvl="0" indent="0" algn="l" defTabSz="1689100">
+          <a:pPr marL="0" lvl="0" indent="0" algn="l" defTabSz="1644650">
             <a:lnSpc>
               <a:spcPct val="90000"/>
             </a:lnSpc>
@@ -7469,14 +7469,14 @@
             <a:buNone/>
           </a:pPr>
           <a:r>
-            <a:rPr lang="en-US" sz="3800" kern="1200"/>
+            <a:rPr lang="en-US" sz="3700" kern="1200"/>
             <a:t>To build a heart stroke prediction engine using pyspark.</a:t>
           </a:r>
         </a:p>
       </dsp:txBody>
       <dsp:txXfrm>
-        <a:off x="131442" y="152183"/>
-        <a:ext cx="6637628" cy="2429724"/>
+        <a:off x="127983" y="221022"/>
+        <a:ext cx="6644546" cy="2365784"/>
       </dsp:txXfrm>
     </dsp:sp>
     <dsp:sp modelId="{3CC9AE67-3D2D-4E68-8E9F-D192AA927EE3}">
@@ -7486,8 +7486,8 @@
       </dsp:nvSpPr>
       <dsp:spPr>
         <a:xfrm>
-          <a:off x="0" y="2822790"/>
-          <a:ext cx="6900512" cy="2692608"/>
+          <a:off x="0" y="2821350"/>
+          <a:ext cx="6900512" cy="2621750"/>
         </a:xfrm>
         <a:prstGeom prst="roundRect">
           <a:avLst/>
@@ -7529,12 +7529,12 @@
         </a:fontRef>
       </dsp:style>
       <dsp:txBody>
-        <a:bodyPr spcFirstLastPara="0" vert="horz" wrap="square" lIns="144780" tIns="144780" rIns="144780" bIns="144780" numCol="1" spcCol="1270" anchor="ctr" anchorCtr="0">
+        <a:bodyPr spcFirstLastPara="0" vert="horz" wrap="square" lIns="140970" tIns="140970" rIns="140970" bIns="140970" numCol="1" spcCol="1270" anchor="ctr" anchorCtr="0">
           <a:noAutofit/>
         </a:bodyPr>
         <a:lstStyle/>
         <a:p>
-          <a:pPr marL="0" lvl="0" indent="0" algn="l" defTabSz="1689100">
+          <a:pPr marL="0" lvl="0" indent="0" algn="l" defTabSz="1644650">
             <a:lnSpc>
               <a:spcPct val="90000"/>
             </a:lnSpc>
@@ -7547,14 +7547,14 @@
             <a:buNone/>
           </a:pPr>
           <a:r>
-            <a:rPr lang="en-US" sz="3800" kern="1200"/>
-            <a:t>By implementing it using various algorithams such as decision tree, Logistic regression and clustering.</a:t>
+            <a:rPr lang="en-US" sz="3700" kern="1200" dirty="0"/>
+            <a:t>By implementing it using various algorithms such as Decision Tree, Logistic Regression, Random Forest and Gradient Decent.</a:t>
           </a:r>
         </a:p>
       </dsp:txBody>
       <dsp:txXfrm>
-        <a:off x="131442" y="2954232"/>
-        <a:ext cx="6637628" cy="2429724"/>
+        <a:off x="127983" y="2949333"/>
+        <a:ext cx="6644546" cy="2365784"/>
       </dsp:txXfrm>
     </dsp:sp>
   </dsp:spTree>
@@ -8574,7 +8574,7 @@
       </dsp:nvSpPr>
       <dsp:spPr>
         <a:xfrm>
-          <a:off x="0" y="1888230"/>
+          <a:off x="0" y="1908338"/>
           <a:ext cx="6900512" cy="1759680"/>
         </a:xfrm>
         <a:prstGeom prst="roundRect">
@@ -8635,13 +8635,13 @@
             <a:buNone/>
           </a:pPr>
           <a:r>
-            <a:rPr lang="en-US" sz="3200" kern="1200"/>
-            <a:t>People with a smoking habit are more susceptible to have heart a stroke. </a:t>
+            <a:rPr lang="en-US" sz="3200" kern="1200" dirty="0"/>
+            <a:t>People with a smoking habit are more susceptible to heart stroke. </a:t>
           </a:r>
         </a:p>
       </dsp:txBody>
       <dsp:txXfrm>
-        <a:off x="85900" y="1974130"/>
+        <a:off x="85900" y="1994238"/>
         <a:ext cx="6728712" cy="1587880"/>
       </dsp:txXfrm>
     </dsp:sp>
@@ -17528,7 +17528,7 @@
           <a:p>
             <a:fld id="{F3852897-E58F-4F32-B94E-2C53F3436FF1}" type="slidenum">
               <a:rPr lang="en-US" smtClean="0"/>
-              <a:t>9</a:t>
+              <a:t>1</a:t>
             </a:fld>
             <a:endParaRPr lang="en-US"/>
           </a:p>
@@ -17537,7 +17537,7 @@
     </p:spTree>
     <p:extLst>
       <p:ext uri="{BB962C8B-B14F-4D97-AF65-F5344CB8AC3E}">
-        <p14:creationId xmlns:p14="http://schemas.microsoft.com/office/powerpoint/2010/main" val="2030177298"/>
+        <p14:creationId xmlns:p14="http://schemas.microsoft.com/office/powerpoint/2010/main" val="479038990"/>
       </p:ext>
     </p:extLst>
   </p:cSld>
@@ -17612,6 +17612,90 @@
           <a:p>
             <a:fld id="{F3852897-E58F-4F32-B94E-2C53F3436FF1}" type="slidenum">
               <a:rPr lang="en-US" smtClean="0"/>
+              <a:t>9</a:t>
+            </a:fld>
+            <a:endParaRPr lang="en-US"/>
+          </a:p>
+        </p:txBody>
+      </p:sp>
+    </p:spTree>
+    <p:extLst>
+      <p:ext uri="{BB962C8B-B14F-4D97-AF65-F5344CB8AC3E}">
+        <p14:creationId xmlns:p14="http://schemas.microsoft.com/office/powerpoint/2010/main" val="2030177298"/>
+      </p:ext>
+    </p:extLst>
+  </p:cSld>
+  <p:clrMapOvr>
+    <a:masterClrMapping/>
+  </p:clrMapOvr>
+</p:notes>
+</file>
+
+<file path=ppt/notesSlides/notesSlide3.xml><?xml version="1.0" encoding="utf-8"?>
+<p:notes xmlns:a="http://schemas.openxmlformats.org/drawingml/2006/main" xmlns:r="http://schemas.openxmlformats.org/officeDocument/2006/relationships" xmlns:p="http://schemas.openxmlformats.org/presentationml/2006/main">
+  <p:cSld>
+    <p:spTree>
+      <p:nvGrpSpPr>
+        <p:cNvPr id="1" name=""/>
+        <p:cNvGrpSpPr/>
+        <p:nvPr/>
+      </p:nvGrpSpPr>
+      <p:grpSpPr>
+        <a:xfrm>
+          <a:off x="0" y="0"/>
+          <a:ext cx="0" cy="0"/>
+          <a:chOff x="0" y="0"/>
+          <a:chExt cx="0" cy="0"/>
+        </a:xfrm>
+      </p:grpSpPr>
+      <p:sp>
+        <p:nvSpPr>
+          <p:cNvPr id="2" name="Slide Image Placeholder 1"/>
+          <p:cNvSpPr>
+            <a:spLocks noGrp="1" noRot="1" noChangeAspect="1"/>
+          </p:cNvSpPr>
+          <p:nvPr>
+            <p:ph type="sldImg"/>
+          </p:nvPr>
+        </p:nvSpPr>
+        <p:spPr/>
+      </p:sp>
+      <p:sp>
+        <p:nvSpPr>
+          <p:cNvPr id="3" name="Notes Placeholder 2"/>
+          <p:cNvSpPr>
+            <a:spLocks noGrp="1"/>
+          </p:cNvSpPr>
+          <p:nvPr>
+            <p:ph type="body" idx="1"/>
+          </p:nvPr>
+        </p:nvSpPr>
+        <p:spPr/>
+        <p:txBody>
+          <a:bodyPr/>
+          <a:lstStyle/>
+          <a:p>
+            <a:endParaRPr lang="en-US" dirty="0"/>
+          </a:p>
+        </p:txBody>
+      </p:sp>
+      <p:sp>
+        <p:nvSpPr>
+          <p:cNvPr id="4" name="Slide Number Placeholder 3"/>
+          <p:cNvSpPr>
+            <a:spLocks noGrp="1"/>
+          </p:cNvSpPr>
+          <p:nvPr>
+            <p:ph type="sldNum" sz="quarter" idx="5"/>
+          </p:nvPr>
+        </p:nvSpPr>
+        <p:spPr/>
+        <p:txBody>
+          <a:bodyPr/>
+          <a:lstStyle/>
+          <a:p>
+            <a:fld id="{F3852897-E58F-4F32-B94E-2C53F3436FF1}" type="slidenum">
+              <a:rPr lang="en-US" smtClean="0"/>
               <a:t>11</a:t>
             </a:fld>
             <a:endParaRPr lang="en-US"/>
@@ -17622,6 +17706,90 @@
     <p:extLst>
       <p:ext uri="{BB962C8B-B14F-4D97-AF65-F5344CB8AC3E}">
         <p14:creationId xmlns:p14="http://schemas.microsoft.com/office/powerpoint/2010/main" val="683733088"/>
+      </p:ext>
+    </p:extLst>
+  </p:cSld>
+  <p:clrMapOvr>
+    <a:masterClrMapping/>
+  </p:clrMapOvr>
+</p:notes>
+</file>
+
+<file path=ppt/notesSlides/notesSlide4.xml><?xml version="1.0" encoding="utf-8"?>
+<p:notes xmlns:a="http://schemas.openxmlformats.org/drawingml/2006/main" xmlns:r="http://schemas.openxmlformats.org/officeDocument/2006/relationships" xmlns:p="http://schemas.openxmlformats.org/presentationml/2006/main">
+  <p:cSld>
+    <p:spTree>
+      <p:nvGrpSpPr>
+        <p:cNvPr id="1" name=""/>
+        <p:cNvGrpSpPr/>
+        <p:nvPr/>
+      </p:nvGrpSpPr>
+      <p:grpSpPr>
+        <a:xfrm>
+          <a:off x="0" y="0"/>
+          <a:ext cx="0" cy="0"/>
+          <a:chOff x="0" y="0"/>
+          <a:chExt cx="0" cy="0"/>
+        </a:xfrm>
+      </p:grpSpPr>
+      <p:sp>
+        <p:nvSpPr>
+          <p:cNvPr id="2" name="Slide Image Placeholder 1"/>
+          <p:cNvSpPr>
+            <a:spLocks noGrp="1" noRot="1" noChangeAspect="1"/>
+          </p:cNvSpPr>
+          <p:nvPr>
+            <p:ph type="sldImg"/>
+          </p:nvPr>
+        </p:nvSpPr>
+        <p:spPr/>
+      </p:sp>
+      <p:sp>
+        <p:nvSpPr>
+          <p:cNvPr id="3" name="Notes Placeholder 2"/>
+          <p:cNvSpPr>
+            <a:spLocks noGrp="1"/>
+          </p:cNvSpPr>
+          <p:nvPr>
+            <p:ph type="body" idx="1"/>
+          </p:nvPr>
+        </p:nvSpPr>
+        <p:spPr/>
+        <p:txBody>
+          <a:bodyPr/>
+          <a:lstStyle/>
+          <a:p>
+            <a:endParaRPr lang="en-US" dirty="0"/>
+          </a:p>
+        </p:txBody>
+      </p:sp>
+      <p:sp>
+        <p:nvSpPr>
+          <p:cNvPr id="4" name="Slide Number Placeholder 3"/>
+          <p:cNvSpPr>
+            <a:spLocks noGrp="1"/>
+          </p:cNvSpPr>
+          <p:nvPr>
+            <p:ph type="sldNum" sz="quarter" idx="5"/>
+          </p:nvPr>
+        </p:nvSpPr>
+        <p:spPr/>
+        <p:txBody>
+          <a:bodyPr/>
+          <a:lstStyle/>
+          <a:p>
+            <a:fld id="{F3852897-E58F-4F32-B94E-2C53F3436FF1}" type="slidenum">
+              <a:rPr lang="en-US" smtClean="0"/>
+              <a:t>20</a:t>
+            </a:fld>
+            <a:endParaRPr lang="en-US"/>
+          </a:p>
+        </p:txBody>
+      </p:sp>
+    </p:spTree>
+    <p:extLst>
+      <p:ext uri="{BB962C8B-B14F-4D97-AF65-F5344CB8AC3E}">
+        <p14:creationId xmlns:p14="http://schemas.microsoft.com/office/powerpoint/2010/main" val="3755324697"/>
       </p:ext>
     </p:extLst>
   </p:cSld>
@@ -20928,7 +21096,7 @@
           <p:nvPr/>
         </p:nvPicPr>
         <p:blipFill rotWithShape="1">
-          <a:blip r:embed="rId2">
+          <a:blip r:embed="rId3">
             <a:extLst>
               <a:ext uri="{28A0092B-C50C-407E-A947-70E740481C1C}">
                 <a14:useLocalDpi xmlns:a14="http://schemas.microsoft.com/office/drawing/2010/main" val="0"/>
@@ -21157,7 +21325,15 @@
             </a:pPr>
             <a:r>
               <a:rPr lang="en-US" sz="1800" dirty="0"/>
-              <a:t>Mounika Kalidindi</a:t>
+              <a:t>Satya </a:t>
+            </a:r>
+            <a:r>
+              <a:rPr lang="en-US" sz="1800" dirty="0" err="1"/>
+              <a:t>Mounica</a:t>
+            </a:r>
+            <a:r>
+              <a:rPr lang="en-US" sz="1800" dirty="0"/>
+              <a:t> Kalidindi</a:t>
             </a:r>
           </a:p>
         </p:txBody>
@@ -28173,7 +28349,7 @@
           <p:nvPr>
             <p:extLst>
               <p:ext uri="{D42A27DB-BD31-4B8C-83A1-F6EECF244321}">
-                <p14:modId xmlns:p14="http://schemas.microsoft.com/office/powerpoint/2010/main" val="1047403879"/>
+                <p14:modId xmlns:p14="http://schemas.microsoft.com/office/powerpoint/2010/main" val="3479663064"/>
               </p:ext>
             </p:extLst>
           </p:nvPr>
@@ -28184,7 +28360,7 @@
         </p:xfrm>
         <a:graphic>
           <a:graphicData uri="http://schemas.openxmlformats.org/drawingml/2006/diagram">
-            <dgm:relIds xmlns:dgm="http://schemas.openxmlformats.org/drawingml/2006/diagram" xmlns:r="http://schemas.openxmlformats.org/officeDocument/2006/relationships" r:dm="rId2" r:lo="rId3" r:qs="rId4" r:cs="rId5"/>
+            <dgm:relIds xmlns:dgm="http://schemas.openxmlformats.org/drawingml/2006/diagram" xmlns:r="http://schemas.openxmlformats.org/officeDocument/2006/relationships" r:dm="rId3" r:lo="rId4" r:qs="rId5" r:cs="rId6"/>
           </a:graphicData>
         </a:graphic>
       </p:graphicFrame>
@@ -31140,7 +31316,7 @@
             <p:ph idx="1"/>
             <p:extLst>
               <p:ext uri="{D42A27DB-BD31-4B8C-83A1-F6EECF244321}">
-                <p14:modId xmlns:p14="http://schemas.microsoft.com/office/powerpoint/2010/main" val="1074874475"/>
+                <p14:modId xmlns:p14="http://schemas.microsoft.com/office/powerpoint/2010/main" val="3294007146"/>
               </p:ext>
             </p:extLst>
           </p:nvPr>
